--- a/2020/Secrets_Should_Stay_Secret/slides/Secrets_Should_Stay_Secret.pptx
+++ b/2020/Secrets_Should_Stay_Secret/slides/Secrets_Should_Stay_Secret.pptx
@@ -224,7 +224,7 @@
           <a:p>
             <a:fld id="{939FF663-7E36-284F-93AD-25D19950C905}" type="datetimeFigureOut">
               <a:rPr lang="es-ES_tradnl" smtClean="0"/>
-              <a:t>12/04/2020</a:t>
+              <a:t>17/04/2020</a:t>
             </a:fld>
             <a:endParaRPr lang="es-ES_tradnl"/>
           </a:p>
@@ -3509,7 +3509,7 @@
           <a:p>
             <a:fld id="{884406F1-D55D-4EF3-B6E5-F254E6012FCC}" type="datetimeFigureOut">
               <a:rPr lang="es-ES" smtClean="0"/>
-              <a:t>12/04/2020</a:t>
+              <a:t>17/04/2020</a:t>
             </a:fld>
             <a:endParaRPr lang="es-ES"/>
           </a:p>
@@ -6670,7 +6670,7 @@
           <a:p>
             <a:fld id="{BEEC9EFC-9453-4A52-B78B-F57A0D733EE1}" type="datetimeFigureOut">
               <a:rPr lang="en-GB" smtClean="0"/>
-              <a:t>12/04/2020</a:t>
+              <a:t>17/04/2020</a:t>
             </a:fld>
             <a:endParaRPr lang="en-GB"/>
           </a:p>
@@ -6783,7 +6783,7 @@
           <a:p>
             <a:fld id="{884406F1-D55D-4EF3-B6E5-F254E6012FCC}" type="datetimeFigureOut">
               <a:rPr lang="es-ES" smtClean="0"/>
-              <a:t>12/04/2020</a:t>
+              <a:t>17/04/2020</a:t>
             </a:fld>
             <a:endParaRPr lang="es-ES"/>
           </a:p>
@@ -7680,7 +7680,7 @@
           <a:p>
             <a:fld id="{884406F1-D55D-4EF3-B6E5-F254E6012FCC}" type="datetimeFigureOut">
               <a:rPr lang="es-ES" smtClean="0"/>
-              <a:t>12/04/2020</a:t>
+              <a:t>17/04/2020</a:t>
             </a:fld>
             <a:endParaRPr lang="es-ES"/>
           </a:p>
@@ -12445,12 +12445,6 @@
           </a:p>
           <a:p>
             <a:r>
-              <a:rPr lang="en-GB" dirty="0"/>
-              <a:t>Environment variables are a “De Facto Standard”</a:t>
-            </a:r>
-          </a:p>
-          <a:p>
-            <a:r>
               <a:rPr lang="en-GB" dirty="0">
                 <a:sym typeface="Wingdings" panose="05000000000000000000" pitchFamily="2" charset="2"/>
               </a:rPr>
